--- a/Slides.pptx
+++ b/Slides.pptx
@@ -3627,7 +3627,19 @@
               </a:spcAft>
               <a:buNone/>
             </a:pPr>
-            <a:endParaRPr/>
+            <a:r>
+              <a:rPr lang="en-SG" dirty="0"/>
+              <a:t>Once a function returns/exits, all the variables within its memory space can no longer be accessed reliably. Therefore, you need to </a:t>
+            </a:r>
+            <a:r>
+              <a:rPr lang="en-SG" b="1" dirty="0"/>
+              <a:t>return</a:t>
+            </a:r>
+            <a:r>
+              <a:rPr lang="en-SG" dirty="0"/>
+              <a:t> any important variables that you want to use from a function.</a:t>
+            </a:r>
+            <a:endParaRPr dirty="0"/>
           </a:p>
         </p:txBody>
       </p:sp>
@@ -20356,6 +20368,15 @@
               <a:t>, </a:t>
             </a:r>
             <a:r>
+              <a:rPr lang="en-SG" sz="1400" dirty="0">
+                <a:solidFill>
+                  <a:srgbClr val="000000"/>
+                </a:solidFill>
+                <a:latin typeface="Lucida Console" panose="020B0609040504020204" pitchFamily="49" charset="0"/>
+              </a:rPr>
+              <a:t>++</a:t>
+            </a:r>
+            <a:r>
               <a:rPr lang="en-SG" sz="1400" b="0" dirty="0" err="1">
                 <a:solidFill>
                   <a:srgbClr val="000000"/>
@@ -20373,7 +20394,7 @@
                 <a:effectLst/>
                 <a:latin typeface="Lucida Console" panose="020B0609040504020204" pitchFamily="49" charset="0"/>
               </a:rPr>
-              <a:t>++)) {</a:t>
+              <a:t>)) {</a:t>
             </a:r>
           </a:p>
           <a:p>
